--- a/tutorials/Scala/presentations/15_Lists.pptx
+++ b/tutorials/Scala/presentations/15_Lists.pptx
@@ -249,7 +249,7 @@
           <a:p>
             <a:fld id="{0AF7FD4B-830E-4888-B0EE-358B42CBDE40}" type="datetimeFigureOut">
               <a:rPr lang="en-US" smtClean="0"/>
-              <a:t>2025-01-25</a:t>
+              <a:t>2025-01-30</a:t>
             </a:fld>
             <a:endParaRPr lang="en-US"/>
           </a:p>
@@ -417,7 +417,7 @@
           <a:p>
             <a:fld id="{0AF7FD4B-830E-4888-B0EE-358B42CBDE40}" type="datetimeFigureOut">
               <a:rPr lang="en-US" smtClean="0"/>
-              <a:t>2025-01-25</a:t>
+              <a:t>2025-01-30</a:t>
             </a:fld>
             <a:endParaRPr lang="en-US"/>
           </a:p>
@@ -595,7 +595,7 @@
           <a:p>
             <a:fld id="{0AF7FD4B-830E-4888-B0EE-358B42CBDE40}" type="datetimeFigureOut">
               <a:rPr lang="en-US" smtClean="0"/>
-              <a:t>2025-01-25</a:t>
+              <a:t>2025-01-30</a:t>
             </a:fld>
             <a:endParaRPr lang="en-US"/>
           </a:p>
@@ -763,7 +763,7 @@
           <a:p>
             <a:fld id="{0AF7FD4B-830E-4888-B0EE-358B42CBDE40}" type="datetimeFigureOut">
               <a:rPr lang="en-US" smtClean="0"/>
-              <a:t>2025-01-25</a:t>
+              <a:t>2025-01-30</a:t>
             </a:fld>
             <a:endParaRPr lang="en-US"/>
           </a:p>
@@ -1008,7 +1008,7 @@
           <a:p>
             <a:fld id="{0AF7FD4B-830E-4888-B0EE-358B42CBDE40}" type="datetimeFigureOut">
               <a:rPr lang="en-US" smtClean="0"/>
-              <a:t>2025-01-25</a:t>
+              <a:t>2025-01-30</a:t>
             </a:fld>
             <a:endParaRPr lang="en-US"/>
           </a:p>
@@ -1237,7 +1237,7 @@
           <a:p>
             <a:fld id="{0AF7FD4B-830E-4888-B0EE-358B42CBDE40}" type="datetimeFigureOut">
               <a:rPr lang="en-US" smtClean="0"/>
-              <a:t>2025-01-25</a:t>
+              <a:t>2025-01-30</a:t>
             </a:fld>
             <a:endParaRPr lang="en-US"/>
           </a:p>
@@ -1601,7 +1601,7 @@
           <a:p>
             <a:fld id="{0AF7FD4B-830E-4888-B0EE-358B42CBDE40}" type="datetimeFigureOut">
               <a:rPr lang="en-US" smtClean="0"/>
-              <a:t>2025-01-25</a:t>
+              <a:t>2025-01-30</a:t>
             </a:fld>
             <a:endParaRPr lang="en-US"/>
           </a:p>
@@ -1718,7 +1718,7 @@
           <a:p>
             <a:fld id="{0AF7FD4B-830E-4888-B0EE-358B42CBDE40}" type="datetimeFigureOut">
               <a:rPr lang="en-US" smtClean="0"/>
-              <a:t>2025-01-25</a:t>
+              <a:t>2025-01-30</a:t>
             </a:fld>
             <a:endParaRPr lang="en-US"/>
           </a:p>
@@ -1813,7 +1813,7 @@
           <a:p>
             <a:fld id="{0AF7FD4B-830E-4888-B0EE-358B42CBDE40}" type="datetimeFigureOut">
               <a:rPr lang="en-US" smtClean="0"/>
-              <a:t>2025-01-25</a:t>
+              <a:t>2025-01-30</a:t>
             </a:fld>
             <a:endParaRPr lang="en-US"/>
           </a:p>
@@ -2088,7 +2088,7 @@
           <a:p>
             <a:fld id="{0AF7FD4B-830E-4888-B0EE-358B42CBDE40}" type="datetimeFigureOut">
               <a:rPr lang="en-US" smtClean="0"/>
-              <a:t>2025-01-25</a:t>
+              <a:t>2025-01-30</a:t>
             </a:fld>
             <a:endParaRPr lang="en-US"/>
           </a:p>
@@ -2340,7 +2340,7 @@
           <a:p>
             <a:fld id="{0AF7FD4B-830E-4888-B0EE-358B42CBDE40}" type="datetimeFigureOut">
               <a:rPr lang="en-US" smtClean="0"/>
-              <a:t>2025-01-25</a:t>
+              <a:t>2025-01-30</a:t>
             </a:fld>
             <a:endParaRPr lang="en-US"/>
           </a:p>
@@ -2551,7 +2551,7 @@
           <a:p>
             <a:fld id="{0AF7FD4B-830E-4888-B0EE-358B42CBDE40}" type="datetimeFigureOut">
               <a:rPr lang="en-US" smtClean="0"/>
-              <a:t>2025-01-25</a:t>
+              <a:t>2025-01-30</a:t>
             </a:fld>
             <a:endParaRPr lang="en-US"/>
           </a:p>
@@ -2966,14 +2966,19 @@
             <p:ph type="ctrTitle"/>
           </p:nvPr>
         </p:nvSpPr>
-        <p:spPr/>
+        <p:spPr>
+          <a:xfrm>
+            <a:off x="1524000" y="2428407"/>
+            <a:ext cx="9144000" cy="1081556"/>
+          </a:xfrm>
+        </p:spPr>
         <p:txBody>
           <a:bodyPr/>
           <a:lstStyle/>
           <a:p>
             <a:r>
               <a:rPr lang="en-US" dirty="0"/>
-              <a:t>Lists</a:t>
+              <a:t>Scala Lists</a:t>
             </a:r>
           </a:p>
         </p:txBody>
@@ -2996,6 +3001,12 @@
             <a:r>
               <a:rPr lang="en-US" dirty="0"/>
               <a:t>Peter Chapin</a:t>
+            </a:r>
+          </a:p>
+          <a:p>
+            <a:r>
+              <a:rPr lang="en-US" dirty="0"/>
+              <a:t>Vermont State University</a:t>
             </a:r>
           </a:p>
         </p:txBody>
@@ -3412,7 +3423,7 @@
           <a:p>
             <a:r>
               <a:rPr lang="en-US" dirty="0"/>
-              <a:t>Create a “Second” List</a:t>
+              <a:t>Create(?) a Second List</a:t>
             </a:r>
           </a:p>
         </p:txBody>
@@ -3874,7 +3885,7 @@
           <a:p>
             <a:r>
               <a:rPr lang="en-US" dirty="0"/>
-              <a:t>“Cons” an Element</a:t>
+              <a:t>Cons (Prepend) an Element</a:t>
             </a:r>
           </a:p>
         </p:txBody>
@@ -5759,7 +5770,11 @@
               <a:t>Int</a:t>
             </a:r>
             <a:r>
-              <a:rPr lang="en-US" dirty="0"/>
+              <a:rPr lang="en-US" dirty="0">
+                <a:solidFill>
+                  <a:srgbClr val="FF0000"/>
+                </a:solidFill>
+              </a:rPr>
               <a:t>]</a:t>
             </a:r>
           </a:p>
@@ -5905,8 +5920,12 @@
           </a:p>
           <a:p>
             <a:r>
+              <a:rPr lang="en-US" i="1" dirty="0"/>
+              <a:t>Functional data structures</a:t>
+            </a:r>
+            <a:r>
               <a:rPr lang="en-US" dirty="0"/>
-              <a:t>Functional data structures try to share representation</a:t>
+              <a:t> try to share representation</a:t>
             </a:r>
           </a:p>
           <a:p>
@@ -5920,14 +5939,14 @@
             <a:pPr lvl="1"/>
             <a:r>
               <a:rPr lang="en-US" dirty="0"/>
-              <a:t>… without paying the price of actually making zillions of copies</a:t>
+              <a:t>… without paying the price of actually making zillions of copies.</a:t>
             </a:r>
           </a:p>
           <a:p>
             <a:pPr lvl="1"/>
             <a:r>
               <a:rPr lang="en-US" dirty="0"/>
-              <a:t>We will see how this helps later with more complex examples</a:t>
+              <a:t>We will see how this helps later with more complex examples.</a:t>
             </a:r>
           </a:p>
           <a:p>
@@ -6044,7 +6063,9 @@
             </a:r>
           </a:p>
           <a:p>
-            <a:pPr lvl="1"/>
+            <a:pPr marL="457200" lvl="1" indent="0">
+              <a:buNone/>
+            </a:pPr>
             <a:r>
               <a:rPr lang="en-US" sz="2000" b="1" dirty="0" err="1">
                 <a:latin typeface="Courier New" panose="02070309020205020404" pitchFamily="49" charset="0"/>
@@ -6137,25 +6158,20 @@
             <a:pPr lvl="1"/>
             <a:r>
               <a:rPr lang="en-US" dirty="0"/>
-              <a:t>… and the object can be modified “out from underneath” one of the </a:t>
-            </a:r>
-            <a:r>
-              <a:rPr lang="en-US" dirty="0" err="1"/>
-              <a:t>vals</a:t>
-            </a:r>
-            <a:endParaRPr lang="en-US" dirty="0"/>
+              <a:t>… and the object can be modified “out from underneath” one of the vals.</a:t>
+            </a:r>
           </a:p>
           <a:p>
             <a:pPr lvl="1"/>
             <a:r>
               <a:rPr lang="en-US" dirty="0"/>
-              <a:t>This behavior is compatible with Java (Scala arrays are the same as Java arrays)</a:t>
+              <a:t>This behavior is compatible with Java (Scala arrays are the same as Java arrays).</a:t>
             </a:r>
           </a:p>
           <a:p>
             <a:r>
               <a:rPr lang="en-US" dirty="0"/>
-              <a:t>Mutability makes reasoning about program behavior harder</a:t>
+              <a:t>Mutability makes reasoning about program behavior harder.</a:t>
             </a:r>
           </a:p>
         </p:txBody>
@@ -6258,7 +6274,9 @@
             </a:r>
           </a:p>
           <a:p>
-            <a:pPr lvl="1"/>
+            <a:pPr marL="457200" lvl="1" indent="0">
+              <a:buNone/>
+            </a:pPr>
             <a:r>
               <a:rPr lang="en-US" sz="2000" b="1" dirty="0" err="1">
                 <a:latin typeface="Courier New" panose="02070309020205020404" pitchFamily="49" charset="0"/>
@@ -6353,9 +6371,11 @@
             </a:r>
           </a:p>
           <a:p>
-            <a:pPr lvl="1"/>
-            <a:r>
-              <a:rPr lang="en-US" sz="2000" b="1" dirty="0" err="1">
+            <a:pPr marL="457200" lvl="1" indent="0">
+              <a:buNone/>
+            </a:pPr>
+            <a:r>
+              <a:rPr lang="en-US" sz="2000" b="1" dirty="0">
                 <a:latin typeface="Courier New" panose="02070309020205020404" pitchFamily="49" charset="0"/>
                 <a:cs typeface="Courier New" panose="02070309020205020404" pitchFamily="49" charset="0"/>
               </a:rPr>
@@ -6400,21 +6420,7 @@
                 <a:latin typeface="Courier New" panose="02070309020205020404" pitchFamily="49" charset="0"/>
                 <a:cs typeface="Courier New" panose="02070309020205020404" pitchFamily="49" charset="0"/>
               </a:rPr>
-              <a:t> = List(4, 5, 6)  // Fine. </a:t>
-            </a:r>
-            <a:r>
-              <a:rPr lang="en-US" sz="2000" dirty="0" err="1">
-                <a:latin typeface="Courier New" panose="02070309020205020404" pitchFamily="49" charset="0"/>
-                <a:cs typeface="Courier New" panose="02070309020205020404" pitchFamily="49" charset="0"/>
-              </a:rPr>
-              <a:t>Vars</a:t>
-            </a:r>
-            <a:r>
-              <a:rPr lang="en-US" sz="2000" dirty="0">
-                <a:latin typeface="Courier New" panose="02070309020205020404" pitchFamily="49" charset="0"/>
-                <a:cs typeface="Courier New" panose="02070309020205020404" pitchFamily="49" charset="0"/>
-              </a:rPr>
-              <a:t> can be reassigned</a:t>
+              <a:t> = List(4, 5, 6)    // Fine. Vars can be reassigned</a:t>
             </a:r>
             <a:br>
               <a:rPr lang="en-US" sz="2000" dirty="0">
@@ -6434,7 +6440,7 @@
                 <a:latin typeface="Courier New" panose="02070309020205020404" pitchFamily="49" charset="0"/>
                 <a:cs typeface="Courier New" panose="02070309020205020404" pitchFamily="49" charset="0"/>
               </a:rPr>
-              <a:t>(1) = 100         // Error! Lists are immutable</a:t>
+              <a:t>(1) = 100           // Error! Lists are immutable</a:t>
             </a:r>
           </a:p>
           <a:p>
